--- a/NFEN/figures.pptx
+++ b/NFEN/figures.pptx
@@ -3734,8 +3734,8 @@
         </p:blipFill>
         <p:spPr>
           <a:xfrm>
-            <a:off x="2360872" y="823097"/>
-            <a:ext cx="7470255" cy="5211806"/>
+            <a:off x="3445965" y="1580138"/>
+            <a:ext cx="5300070" cy="3697723"/>
           </a:xfrm>
           <a:prstGeom prst="rect">
             <a:avLst/>
